--- a/twu/面試/數據通信分公司_附件CHK-01簡報_1100427_涂宇欣_V2.pptx
+++ b/twu/面試/數據通信分公司_附件CHK-01簡報_1100427_涂宇欣_V2.pptx
@@ -301,7 +301,7 @@
               <a:pPr>
                 <a:defRPr/>
               </a:pPr>
-              <a:t>2021/4/25</a:t>
+              <a:t>2021/4/26</a:t>
             </a:fld>
             <a:endParaRPr lang="en-US" altLang="zh-TW"/>
           </a:p>
@@ -526,7 +526,7 @@
               <a:pPr>
                 <a:defRPr/>
               </a:pPr>
-              <a:t>2021/4/25</a:t>
+              <a:t>2021/4/26</a:t>
             </a:fld>
             <a:endParaRPr lang="zh-TW" altLang="en-US"/>
           </a:p>
@@ -2599,7 +2599,7 @@
               <a:pPr>
                 <a:defRPr/>
               </a:pPr>
-              <a:t>2021/4/25</a:t>
+              <a:t>2021/4/26</a:t>
             </a:fld>
             <a:endParaRPr lang="zh-TW" altLang="en-US"/>
           </a:p>
@@ -2807,7 +2807,7 @@
               <a:pPr>
                 <a:defRPr/>
               </a:pPr>
-              <a:t>2021/4/25</a:t>
+              <a:t>2021/4/26</a:t>
             </a:fld>
             <a:endParaRPr lang="zh-TW" altLang="en-US"/>
           </a:p>
@@ -3412,7 +3412,7 @@
               <a:pPr>
                 <a:defRPr/>
               </a:pPr>
-              <a:t>2021/4/25</a:t>
+              <a:t>2021/4/26</a:t>
             </a:fld>
             <a:endParaRPr lang="zh-TW" altLang="en-US"/>
           </a:p>
@@ -3586,7 +3586,7 @@
               <a:pPr>
                 <a:defRPr/>
               </a:pPr>
-              <a:t>2021/4/25</a:t>
+              <a:t>2021/4/26</a:t>
             </a:fld>
             <a:endParaRPr lang="zh-TW" altLang="en-US"/>
           </a:p>
@@ -4278,7 +4278,7 @@
               <a:pPr>
                 <a:defRPr/>
               </a:pPr>
-              <a:t>2021/4/25</a:t>
+              <a:t>2021/4/26</a:t>
             </a:fld>
             <a:endParaRPr lang="zh-TW" altLang="en-US"/>
           </a:p>
@@ -4575,7 +4575,7 @@
               <a:pPr>
                 <a:defRPr/>
               </a:pPr>
-              <a:t>2021/4/25</a:t>
+              <a:t>2021/4/26</a:t>
             </a:fld>
             <a:endParaRPr lang="zh-TW" altLang="en-US"/>
           </a:p>
@@ -5417,7 +5417,7 @@
               <a:pPr>
                 <a:defRPr/>
               </a:pPr>
-              <a:t>2021/4/25</a:t>
+              <a:t>2021/4/26</a:t>
             </a:fld>
             <a:endParaRPr lang="zh-TW" altLang="en-US"/>
           </a:p>
@@ -5571,7 +5571,7 @@
               <a:pPr>
                 <a:defRPr/>
               </a:pPr>
-              <a:t>2021/4/25</a:t>
+              <a:t>2021/4/26</a:t>
             </a:fld>
             <a:endParaRPr lang="zh-TW" altLang="en-US"/>
           </a:p>
@@ -5914,7 +5914,7 @@
               <a:pPr>
                 <a:defRPr/>
               </a:pPr>
-              <a:t>2021/4/25</a:t>
+              <a:t>2021/4/26</a:t>
             </a:fld>
             <a:endParaRPr lang="zh-TW" altLang="en-US"/>
           </a:p>
@@ -6688,7 +6688,7 @@
               <a:pPr>
                 <a:defRPr/>
               </a:pPr>
-              <a:t>2021/4/25</a:t>
+              <a:t>2021/4/26</a:t>
             </a:fld>
             <a:endParaRPr lang="zh-TW" altLang="en-US"/>
           </a:p>
@@ -7397,7 +7397,7 @@
               <a:pPr>
                 <a:defRPr/>
               </a:pPr>
-              <a:t>2021/4/25</a:t>
+              <a:t>2021/4/26</a:t>
             </a:fld>
             <a:endParaRPr lang="zh-TW" altLang="en-US"/>
           </a:p>
@@ -7679,7 +7679,7 @@
               <a:pPr>
                 <a:defRPr/>
               </a:pPr>
-              <a:t>2021/4/25</a:t>
+              <a:t>2021/4/26</a:t>
             </a:fld>
             <a:endParaRPr lang="zh-TW" altLang="en-US"/>
           </a:p>
@@ -16312,7 +16312,7 @@
           <p:nvPr>
             <p:extLst>
               <p:ext uri="{D42A27DB-BD31-4B8C-83A1-F6EECF244321}">
-                <p14:modId xmlns:p14="http://schemas.microsoft.com/office/powerpoint/2010/main" val="1692429473"/>
+                <p14:modId xmlns:p14="http://schemas.microsoft.com/office/powerpoint/2010/main" val="1542785791"/>
               </p:ext>
             </p:extLst>
           </p:nvPr>
@@ -16457,7 +16457,107 @@
                           <a:ea typeface="微軟正黑體" panose="020B0604030504040204" pitchFamily="34" charset="-120"/>
                           <a:cs typeface="+mn-cs"/>
                         </a:rPr>
-                        <a:t>擔任使用者與工程師之間的橋樑</a:t>
+                        <a:t>擔任系統分析師，分析及撰寫系統規格文件。</a:t>
+                      </a:r>
+                      <a:endParaRPr kumimoji="0" lang="en-US" altLang="zh-TW" sz="2400" kern="1200" dirty="0" smtClean="0">
+                        <a:solidFill>
+                          <a:schemeClr val="tx1"/>
+                        </a:solidFill>
+                        <a:effectLst/>
+                        <a:latin typeface="微軟正黑體" panose="020B0604030504040204" pitchFamily="34" charset="-120"/>
+                        <a:ea typeface="微軟正黑體" panose="020B0604030504040204" pitchFamily="34" charset="-120"/>
+                        <a:cs typeface="+mn-cs"/>
+                      </a:endParaRPr>
+                    </a:p>
+                    <a:p>
+                      <a:pPr marL="342900" marR="0" lvl="0" indent="-342900" algn="just" defTabSz="914400" rtl="0" eaLnBrk="0" fontAlgn="base" latinLnBrk="0" hangingPunct="0">
+                        <a:lnSpc>
+                          <a:spcPct val="100000"/>
+                        </a:lnSpc>
+                        <a:spcBef>
+                          <a:spcPct val="0"/>
+                        </a:spcBef>
+                        <a:spcAft>
+                          <a:spcPct val="0"/>
+                        </a:spcAft>
+                        <a:buClrTx/>
+                        <a:buSzTx/>
+                        <a:buFont typeface="+mj-lt"/>
+                        <a:buAutoNum type="arabicPeriod"/>
+                        <a:tabLst/>
+                        <a:defRPr/>
+                      </a:pPr>
+                      <a:r>
+                        <a:rPr kumimoji="0" lang="zh-TW" altLang="zh-TW" sz="2400" kern="1200" dirty="0" smtClean="0">
+                          <a:solidFill>
+                            <a:schemeClr val="tx1"/>
+                          </a:solidFill>
+                          <a:effectLst/>
+                          <a:latin typeface="微軟正黑體" panose="020B0604030504040204" pitchFamily="34" charset="-120"/>
+                          <a:ea typeface="微軟正黑體" panose="020B0604030504040204" pitchFamily="34" charset="-120"/>
+                          <a:cs typeface="+mn-cs"/>
+                        </a:rPr>
+                        <a:t>使用者</a:t>
+                      </a:r>
+                      <a:r>
+                        <a:rPr kumimoji="0" lang="zh-TW" altLang="zh-TW" sz="2400" kern="1200" dirty="0" smtClean="0">
+                          <a:solidFill>
+                            <a:schemeClr val="tx1"/>
+                          </a:solidFill>
+                          <a:effectLst/>
+                          <a:latin typeface="微軟正黑體" panose="020B0604030504040204" pitchFamily="34" charset="-120"/>
+                          <a:ea typeface="微軟正黑體" panose="020B0604030504040204" pitchFamily="34" charset="-120"/>
+                          <a:cs typeface="+mn-cs"/>
+                        </a:rPr>
+                        <a:t>與工程師</a:t>
+                      </a:r>
+                      <a:r>
+                        <a:rPr kumimoji="0" lang="zh-TW" altLang="zh-TW" sz="2400" kern="1200" smtClean="0">
+                          <a:solidFill>
+                            <a:schemeClr val="tx1"/>
+                          </a:solidFill>
+                          <a:effectLst/>
+                          <a:latin typeface="微軟正黑體" panose="020B0604030504040204" pitchFamily="34" charset="-120"/>
+                          <a:ea typeface="微軟正黑體" panose="020B0604030504040204" pitchFamily="34" charset="-120"/>
+                          <a:cs typeface="+mn-cs"/>
+                        </a:rPr>
+                        <a:t>之間</a:t>
+                      </a:r>
+                      <a:r>
+                        <a:rPr kumimoji="0" lang="zh-TW" altLang="zh-TW" sz="2400" kern="1200" smtClean="0">
+                          <a:solidFill>
+                            <a:schemeClr val="tx1"/>
+                          </a:solidFill>
+                          <a:effectLst/>
+                          <a:latin typeface="微軟正黑體" panose="020B0604030504040204" pitchFamily="34" charset="-120"/>
+                          <a:ea typeface="微軟正黑體" panose="020B0604030504040204" pitchFamily="34" charset="-120"/>
+                          <a:cs typeface="+mn-cs"/>
+                        </a:rPr>
+                        <a:t>的</a:t>
+                      </a:r>
+                      <a:r>
+                        <a:rPr kumimoji="0" lang="zh-TW" altLang="en-US" sz="2400" kern="1200" smtClean="0">
+                          <a:solidFill>
+                            <a:schemeClr val="tx1"/>
+                          </a:solidFill>
+                          <a:effectLst/>
+                          <a:latin typeface="微軟正黑體" panose="020B0604030504040204" pitchFamily="34" charset="-120"/>
+                          <a:ea typeface="微軟正黑體" panose="020B0604030504040204" pitchFamily="34" charset="-120"/>
+                          <a:cs typeface="+mn-cs"/>
+                        </a:rPr>
+                        <a:t>溝通</a:t>
+                      </a:r>
+                      <a:r>
+                        <a:rPr kumimoji="0" lang="zh-TW" altLang="zh-TW" sz="2400" kern="1200" smtClean="0">
+                          <a:solidFill>
+                            <a:schemeClr val="tx1"/>
+                          </a:solidFill>
+                          <a:effectLst/>
+                          <a:latin typeface="微軟正黑體" panose="020B0604030504040204" pitchFamily="34" charset="-120"/>
+                          <a:ea typeface="微軟正黑體" panose="020B0604030504040204" pitchFamily="34" charset="-120"/>
+                          <a:cs typeface="+mn-cs"/>
+                        </a:rPr>
+                        <a:t>橋樑</a:t>
                       </a:r>
                       <a:r>
                         <a:rPr kumimoji="0" lang="zh-TW" altLang="en-US" sz="2400" kern="1200" dirty="0" smtClean="0">
@@ -16500,7 +16600,7 @@
                         <a:defRPr/>
                       </a:pPr>
                       <a:r>
-                        <a:rPr kumimoji="0" lang="zh-TW" altLang="zh-TW" sz="2400" kern="1200" dirty="0" smtClean="0">
+                        <a:rPr kumimoji="0" lang="zh-TW" altLang="en-US" sz="2400" kern="1200" dirty="0" smtClean="0">
                           <a:solidFill>
                             <a:schemeClr val="tx1"/>
                           </a:solidFill>
@@ -16509,36 +16609,8 @@
                           <a:ea typeface="微軟正黑體" panose="020B0604030504040204" pitchFamily="34" charset="-120"/>
                           <a:cs typeface="+mn-cs"/>
                         </a:rPr>
-                        <a:t>擔任系統分析師，分析及撰寫系統規格文件。</a:t>
+                        <a:t>參與</a:t>
                       </a:r>
-                      <a:endParaRPr kumimoji="0" lang="en-US" altLang="zh-TW" sz="2400" kern="1200" dirty="0" smtClean="0">
-                        <a:solidFill>
-                          <a:schemeClr val="tx1"/>
-                        </a:solidFill>
-                        <a:effectLst/>
-                        <a:latin typeface="微軟正黑體" panose="020B0604030504040204" pitchFamily="34" charset="-120"/>
-                        <a:ea typeface="微軟正黑體" panose="020B0604030504040204" pitchFamily="34" charset="-120"/>
-                        <a:cs typeface="+mn-cs"/>
-                      </a:endParaRPr>
-                    </a:p>
-                    <a:p>
-                      <a:pPr marL="342900" marR="0" lvl="0" indent="-342900" algn="just" defTabSz="914400" rtl="0" eaLnBrk="0" fontAlgn="base" latinLnBrk="0" hangingPunct="0">
-                        <a:lnSpc>
-                          <a:spcPct val="100000"/>
-                        </a:lnSpc>
-                        <a:spcBef>
-                          <a:spcPct val="0"/>
-                        </a:spcBef>
-                        <a:spcAft>
-                          <a:spcPct val="0"/>
-                        </a:spcAft>
-                        <a:buClrTx/>
-                        <a:buSzTx/>
-                        <a:buFont typeface="+mj-lt"/>
-                        <a:buAutoNum type="arabicPeriod"/>
-                        <a:tabLst/>
-                        <a:defRPr/>
-                      </a:pPr>
                       <a:r>
                         <a:rPr kumimoji="0" lang="zh-TW" altLang="en-US" sz="2400" kern="1200" dirty="0" smtClean="0">
                           <a:solidFill>
@@ -16549,7 +16621,7 @@
                           <a:ea typeface="微軟正黑體" panose="020B0604030504040204" pitchFamily="34" charset="-120"/>
                           <a:cs typeface="+mn-cs"/>
                         </a:rPr>
-                        <a:t>參與專案管理，監督各階段的交付內容。</a:t>
+                        <a:t>專案管理，監督各階段的交付內容。</a:t>
                       </a:r>
                       <a:endParaRPr kumimoji="0" lang="en-US" altLang="zh-TW" sz="2400" kern="1200" dirty="0" smtClean="0">
                         <a:solidFill>
@@ -18675,8 +18747,8 @@
         </p:nvSpPr>
         <p:spPr>
           <a:xfrm>
-            <a:off x="539750" y="476250"/>
-            <a:ext cx="7467600" cy="725488"/>
+            <a:off x="228599" y="333441"/>
+            <a:ext cx="8663881" cy="725488"/>
           </a:xfrm>
         </p:spPr>
         <p:txBody>
@@ -18807,8 +18879,8 @@
         </p:blipFill>
         <p:spPr bwMode="auto">
           <a:xfrm>
-            <a:off x="228601" y="1286554"/>
-            <a:ext cx="8663880" cy="5059362"/>
+            <a:off x="207640" y="1071640"/>
+            <a:ext cx="8663880" cy="5183110"/>
           </a:xfrm>
           <a:prstGeom prst="rect">
             <a:avLst/>
@@ -18832,8 +18904,8 @@
         </p:nvSpPr>
         <p:spPr bwMode="auto">
           <a:xfrm>
-            <a:off x="641349" y="1556792"/>
-            <a:ext cx="7488239" cy="4608512"/>
+            <a:off x="641349" y="1252527"/>
+            <a:ext cx="8097839" cy="4608512"/>
           </a:xfrm>
           <a:prstGeom prst="rect">
             <a:avLst/>
@@ -18991,9 +19063,13 @@
             </a:lvl9pPr>
           </a:lstStyle>
           <a:p>
-            <a:pPr algn="l"/>
+            <a:pPr algn="l">
+              <a:lnSpc>
+                <a:spcPct val="150000"/>
+              </a:lnSpc>
+            </a:pPr>
             <a:r>
-              <a:rPr lang="zh-TW" altLang="en-US" sz="2800" b="1" dirty="0">
+              <a:rPr lang="zh-TW" altLang="en-US" sz="2400" b="1" dirty="0">
                 <a:solidFill>
                   <a:srgbClr val="0000CC"/>
                 </a:solidFill>
@@ -19003,7 +19079,7 @@
               <a:t>一個好的客服中心系統應該如何規劃</a:t>
             </a:r>
             <a:r>
-              <a:rPr lang="zh-TW" altLang="en-US" sz="2800" b="1" dirty="0" smtClean="0">
+              <a:rPr lang="zh-TW" altLang="en-US" sz="2400" b="1" dirty="0" smtClean="0">
                 <a:solidFill>
                   <a:srgbClr val="0000CC"/>
                 </a:solidFill>
@@ -19012,7 +19088,7 @@
               </a:rPr>
               <a:t>？</a:t>
             </a:r>
-            <a:endParaRPr lang="en-US" altLang="zh-TW" sz="2800" b="1" dirty="0" smtClean="0">
+            <a:endParaRPr lang="en-US" altLang="zh-TW" sz="2400" b="1" dirty="0">
               <a:solidFill>
                 <a:srgbClr val="0000CC"/>
               </a:solidFill>
@@ -19021,9 +19097,12 @@
             </a:endParaRPr>
           </a:p>
           <a:p>
-            <a:pPr marL="514350" indent="-514350" algn="l">
-              <a:buFont typeface="+mj-ea"/>
-              <a:buAutoNum type="ea1ChtPeriod"/>
+            <a:pPr marL="342900" indent="-342900" algn="l">
+              <a:lnSpc>
+                <a:spcPct val="150000"/>
+              </a:lnSpc>
+              <a:buFont typeface="Arial" panose="020B0604020202020204" pitchFamily="34" charset="0"/>
+              <a:buChar char="•"/>
             </a:pPr>
             <a:r>
               <a:rPr lang="en-US" altLang="zh-TW" sz="2400" b="1" dirty="0" smtClean="0">
@@ -19077,9 +19156,12 @@
             </a:r>
           </a:p>
           <a:p>
-            <a:pPr marL="971550" lvl="1" indent="-514350" algn="l">
-              <a:buFont typeface="Wingdings" panose="05000000000000000000" pitchFamily="2" charset="2"/>
-              <a:buChar char="l"/>
+            <a:pPr marL="914400" lvl="1" indent="-457200" algn="l">
+              <a:lnSpc>
+                <a:spcPct val="150000"/>
+              </a:lnSpc>
+              <a:buFont typeface="+mj-lt"/>
+              <a:buAutoNum type="arabicPeriod"/>
             </a:pPr>
             <a:r>
               <a:rPr lang="zh-TW" altLang="en-US" sz="2400" dirty="0">
@@ -19179,9 +19261,12 @@
             </a:endParaRPr>
           </a:p>
           <a:p>
-            <a:pPr marL="971550" lvl="1" indent="-514350" algn="l">
-              <a:buFont typeface="Wingdings" panose="05000000000000000000" pitchFamily="2" charset="2"/>
-              <a:buChar char="l"/>
+            <a:pPr marL="914400" lvl="1" indent="-457200" algn="l">
+              <a:lnSpc>
+                <a:spcPct val="150000"/>
+              </a:lnSpc>
+              <a:buFont typeface="+mj-lt"/>
+              <a:buAutoNum type="arabicPeriod"/>
             </a:pPr>
             <a:r>
               <a:rPr lang="zh-TW" altLang="en-US" sz="2400" dirty="0">
@@ -19215,9 +19300,12 @@
             </a:endParaRPr>
           </a:p>
           <a:p>
-            <a:pPr marL="971550" lvl="1" indent="-514350" algn="l">
-              <a:buFont typeface="Wingdings" panose="05000000000000000000" pitchFamily="2" charset="2"/>
-              <a:buChar char="l"/>
+            <a:pPr marL="914400" lvl="1" indent="-457200" algn="l">
+              <a:lnSpc>
+                <a:spcPct val="150000"/>
+              </a:lnSpc>
+              <a:buFont typeface="+mj-lt"/>
+              <a:buAutoNum type="arabicPeriod"/>
             </a:pPr>
             <a:r>
               <a:rPr lang="zh-TW" altLang="en-US" sz="2400" dirty="0">
@@ -19241,17 +19329,6 @@
               </a:rPr>
               <a:t>。</a:t>
             </a:r>
-            <a:endParaRPr lang="en-US" altLang="zh-TW" sz="2400" dirty="0" smtClean="0">
-              <a:solidFill>
-                <a:schemeClr val="tx1"/>
-              </a:solidFill>
-              <a:latin typeface="+mj-ea"/>
-              <a:ea typeface="+mj-ea"/>
-              <a:cs typeface="新細明體" panose="02020500000000000000" pitchFamily="18" charset="-120"/>
-            </a:endParaRPr>
-          </a:p>
-          <a:p>
-            <a:pPr lvl="1" algn="l"/>
             <a:endParaRPr lang="en-US" altLang="zh-TW" sz="2400" dirty="0">
               <a:solidFill>
                 <a:schemeClr val="tx1"/>
@@ -19262,9 +19339,12 @@
             </a:endParaRPr>
           </a:p>
           <a:p>
-            <a:pPr marL="514350" indent="-514350" algn="l">
-              <a:buFont typeface="+mj-ea"/>
-              <a:buAutoNum type="ea1ChtPeriod"/>
+            <a:pPr marL="342900" indent="-342900" algn="l">
+              <a:lnSpc>
+                <a:spcPct val="150000"/>
+              </a:lnSpc>
+              <a:buFont typeface="Arial" panose="020B0604020202020204" pitchFamily="34" charset="0"/>
+              <a:buChar char="•"/>
             </a:pPr>
             <a:r>
               <a:rPr lang="zh-TW" altLang="en-US" sz="2400" dirty="0" smtClean="0">
@@ -19308,10 +19388,24 @@
             </a:r>
           </a:p>
           <a:p>
-            <a:pPr marL="800100" lvl="1" indent="-342900" algn="l">
-              <a:buFont typeface="Wingdings" panose="05000000000000000000" pitchFamily="2" charset="2"/>
-              <a:buChar char="l"/>
+            <a:pPr marL="914400" lvl="1" indent="-457200" algn="l">
+              <a:lnSpc>
+                <a:spcPct val="150000"/>
+              </a:lnSpc>
+              <a:buFont typeface="+mj-lt"/>
+              <a:buAutoNum type="arabicPeriod"/>
             </a:pPr>
+            <a:r>
+              <a:rPr lang="zh-TW" altLang="en-US" sz="2400" dirty="0" smtClean="0">
+                <a:solidFill>
+                  <a:schemeClr val="tx1"/>
+                </a:solidFill>
+                <a:latin typeface="+mj-ea"/>
+                <a:ea typeface="+mj-ea"/>
+                <a:cs typeface="新細明體" panose="02020500000000000000" pitchFamily="18" charset="-120"/>
+              </a:rPr>
+              <a:t>問題</a:t>
+            </a:r>
             <a:r>
               <a:rPr lang="zh-TW" altLang="en-US" sz="2400" dirty="0">
                 <a:solidFill>
@@ -19321,24 +19415,7 @@
                 <a:ea typeface="+mj-ea"/>
                 <a:cs typeface="新細明體" panose="02020500000000000000" pitchFamily="18" charset="-120"/>
               </a:rPr>
-              <a:t>問題事後分析，報表呈現每日問題。</a:t>
-            </a:r>
-          </a:p>
-          <a:p>
-            <a:pPr marL="800100" lvl="1" indent="-342900" algn="l">
-              <a:buFont typeface="Wingdings" panose="05000000000000000000" pitchFamily="2" charset="2"/>
-              <a:buChar char="l"/>
-            </a:pPr>
-            <a:r>
-              <a:rPr lang="zh-TW" altLang="en-US" sz="2400" dirty="0">
-                <a:solidFill>
-                  <a:schemeClr val="tx1"/>
-                </a:solidFill>
-                <a:latin typeface="+mj-ea"/>
-                <a:ea typeface="+mj-ea"/>
-                <a:cs typeface="新細明體" panose="02020500000000000000" pitchFamily="18" charset="-120"/>
-              </a:rPr>
-              <a:t>即時顯示進線人數</a:t>
+              <a:t>事後分析，報表呈現每日問題</a:t>
             </a:r>
             <a:r>
               <a:rPr lang="zh-TW" altLang="en-US" sz="2400" dirty="0" smtClean="0">
@@ -19361,10 +19438,24 @@
             </a:endParaRPr>
           </a:p>
           <a:p>
-            <a:pPr marL="800100" lvl="1" indent="-342900" algn="l">
-              <a:buFont typeface="Wingdings" panose="05000000000000000000" pitchFamily="2" charset="2"/>
-              <a:buChar char="l"/>
+            <a:pPr marL="914400" lvl="1" indent="-457200" algn="l">
+              <a:lnSpc>
+                <a:spcPct val="150000"/>
+              </a:lnSpc>
+              <a:buFont typeface="+mj-lt"/>
+              <a:buAutoNum type="arabicPeriod"/>
             </a:pPr>
+            <a:r>
+              <a:rPr lang="zh-TW" altLang="en-US" sz="2400" dirty="0" smtClean="0">
+                <a:solidFill>
+                  <a:schemeClr val="tx1"/>
+                </a:solidFill>
+                <a:latin typeface="+mj-ea"/>
+                <a:ea typeface="+mj-ea"/>
+                <a:cs typeface="新細明體" panose="02020500000000000000" pitchFamily="18" charset="-120"/>
+              </a:rPr>
+              <a:t>即時</a:t>
+            </a:r>
             <a:r>
               <a:rPr lang="zh-TW" altLang="en-US" sz="2400" dirty="0">
                 <a:solidFill>
@@ -19374,7 +19465,57 @@
                 <a:ea typeface="+mj-ea"/>
                 <a:cs typeface="新細明體" panose="02020500000000000000" pitchFamily="18" charset="-120"/>
               </a:rPr>
-              <a:t>客服人員問題處理</a:t>
+              <a:t>顯示進線人數</a:t>
+            </a:r>
+            <a:r>
+              <a:rPr lang="zh-TW" altLang="en-US" sz="2400" dirty="0" smtClean="0">
+                <a:solidFill>
+                  <a:schemeClr val="tx1"/>
+                </a:solidFill>
+                <a:latin typeface="+mj-ea"/>
+                <a:ea typeface="+mj-ea"/>
+                <a:cs typeface="新細明體" panose="02020500000000000000" pitchFamily="18" charset="-120"/>
+              </a:rPr>
+              <a:t>。</a:t>
+            </a:r>
+            <a:endParaRPr lang="en-US" altLang="zh-TW" sz="2400" dirty="0">
+              <a:solidFill>
+                <a:schemeClr val="tx1"/>
+              </a:solidFill>
+              <a:latin typeface="+mj-ea"/>
+              <a:ea typeface="+mj-ea"/>
+              <a:cs typeface="新細明體" panose="02020500000000000000" pitchFamily="18" charset="-120"/>
+            </a:endParaRPr>
+          </a:p>
+          <a:p>
+            <a:pPr marL="914400" lvl="1" indent="-457200" algn="l">
+              <a:lnSpc>
+                <a:spcPct val="150000"/>
+              </a:lnSpc>
+              <a:buFont typeface="+mj-lt"/>
+              <a:buAutoNum type="arabicPeriod"/>
+            </a:pPr>
+            <a:r>
+              <a:rPr lang="zh-TW" altLang="en-US" sz="2400" dirty="0" smtClean="0">
+                <a:solidFill>
+                  <a:schemeClr val="tx1"/>
+                </a:solidFill>
+                <a:latin typeface="+mj-ea"/>
+                <a:ea typeface="+mj-ea"/>
+                <a:cs typeface="新細明體" panose="02020500000000000000" pitchFamily="18" charset="-120"/>
+              </a:rPr>
+              <a:t>客</a:t>
+            </a:r>
+            <a:r>
+              <a:rPr lang="zh-TW" altLang="en-US" sz="2400" dirty="0">
+                <a:solidFill>
+                  <a:schemeClr val="tx1"/>
+                </a:solidFill>
+                <a:latin typeface="+mj-ea"/>
+                <a:ea typeface="+mj-ea"/>
+                <a:cs typeface="新細明體" panose="02020500000000000000" pitchFamily="18" charset="-120"/>
+              </a:rPr>
+              <a:t>服人員問題處理</a:t>
             </a:r>
             <a:r>
               <a:rPr lang="en-US" altLang="zh-TW" sz="2400" dirty="0">
@@ -19500,8 +19641,8 @@
         </p:nvSpPr>
         <p:spPr>
           <a:xfrm>
-            <a:off x="539750" y="476250"/>
-            <a:ext cx="7467600" cy="725488"/>
+            <a:off x="228599" y="209550"/>
+            <a:ext cx="8663881" cy="725488"/>
           </a:xfrm>
         </p:spPr>
         <p:txBody>
@@ -19632,8 +19773,8 @@
         </p:blipFill>
         <p:spPr bwMode="auto">
           <a:xfrm>
-            <a:off x="228601" y="1286554"/>
-            <a:ext cx="8663880" cy="5059362"/>
+            <a:off x="228601" y="935038"/>
+            <a:ext cx="8663880" cy="5410878"/>
           </a:xfrm>
           <a:prstGeom prst="rect">
             <a:avLst/>
@@ -19657,8 +19798,8 @@
         </p:nvSpPr>
         <p:spPr bwMode="auto">
           <a:xfrm>
-            <a:off x="641349" y="1556792"/>
-            <a:ext cx="7488239" cy="4608512"/>
+            <a:off x="403195" y="1080992"/>
+            <a:ext cx="8314687" cy="5173757"/>
           </a:xfrm>
           <a:prstGeom prst="rect">
             <a:avLst/>
@@ -19818,7 +19959,7 @@
           <a:p>
             <a:pPr algn="l"/>
             <a:r>
-              <a:rPr lang="zh-TW" altLang="en-US" sz="2800" b="1" dirty="0">
+              <a:rPr lang="zh-TW" altLang="en-US" sz="2400" b="1" dirty="0">
                 <a:solidFill>
                   <a:srgbClr val="0000CC"/>
                 </a:solidFill>
@@ -19828,7 +19969,7 @@
               <a:t>面對客戶要求提供創新的技術，您會建議導入哪些技術增加其效益</a:t>
             </a:r>
             <a:r>
-              <a:rPr lang="zh-TW" altLang="en-US" sz="2800" b="1" dirty="0" smtClean="0">
+              <a:rPr lang="zh-TW" altLang="en-US" sz="2400" b="1" dirty="0" smtClean="0">
                 <a:solidFill>
                   <a:srgbClr val="0000CC"/>
                 </a:solidFill>
@@ -19837,7 +19978,7 @@
               </a:rPr>
               <a:t>？</a:t>
             </a:r>
-            <a:endParaRPr lang="en-US" altLang="zh-TW" sz="2800" b="1" dirty="0" smtClean="0">
+            <a:endParaRPr lang="en-US" altLang="zh-TW" sz="2400" b="1" dirty="0" smtClean="0">
               <a:solidFill>
                 <a:srgbClr val="0000CC"/>
               </a:solidFill>
@@ -19866,14 +20007,14 @@
           <p:nvPr>
             <p:extLst>
               <p:ext uri="{D42A27DB-BD31-4B8C-83A1-F6EECF244321}">
-                <p14:modId xmlns:p14="http://schemas.microsoft.com/office/powerpoint/2010/main" val="4127184758"/>
+                <p14:modId xmlns:p14="http://schemas.microsoft.com/office/powerpoint/2010/main" val="3862413905"/>
               </p:ext>
             </p:extLst>
           </p:nvPr>
         </p:nvGraphicFramePr>
         <p:xfrm>
-          <a:off x="726613" y="2461424"/>
-          <a:ext cx="7983611" cy="3873988"/>
+          <a:off x="323528" y="1932776"/>
+          <a:ext cx="8415660" cy="4160520"/>
         </p:xfrm>
         <a:graphic>
           <a:graphicData uri="http://schemas.openxmlformats.org/drawingml/2006/table">
@@ -19882,35 +20023,35 @@
                 <a:tableStyleId>{F5AB1C69-6EDB-4FF4-983F-18BD219EF322}</a:tableStyleId>
               </a:tblPr>
               <a:tblGrid>
-                <a:gridCol w="679721">
+                <a:gridCol w="432047">
                   <a:extLst>
                     <a:ext uri="{9D8B030D-6E8A-4147-A177-3AD203B41FA5}">
                       <a16:colId xmlns:a16="http://schemas.microsoft.com/office/drawing/2014/main" val="3230495397"/>
                     </a:ext>
                   </a:extLst>
                 </a:gridCol>
-                <a:gridCol w="1192487">
+                <a:gridCol w="1224136">
                   <a:extLst>
                     <a:ext uri="{9D8B030D-6E8A-4147-A177-3AD203B41FA5}">
                       <a16:colId xmlns:a16="http://schemas.microsoft.com/office/drawing/2014/main" val="2836628503"/>
                     </a:ext>
                   </a:extLst>
                 </a:gridCol>
-                <a:gridCol w="2044465">
+                <a:gridCol w="2376264">
                   <a:extLst>
                     <a:ext uri="{9D8B030D-6E8A-4147-A177-3AD203B41FA5}">
                       <a16:colId xmlns:a16="http://schemas.microsoft.com/office/drawing/2014/main" val="1618959940"/>
                     </a:ext>
                   </a:extLst>
                 </a:gridCol>
-                <a:gridCol w="2157967">
+                <a:gridCol w="2401361">
                   <a:extLst>
                     <a:ext uri="{9D8B030D-6E8A-4147-A177-3AD203B41FA5}">
                       <a16:colId xmlns:a16="http://schemas.microsoft.com/office/drawing/2014/main" val="2845504073"/>
                     </a:ext>
                   </a:extLst>
                 </a:gridCol>
-                <a:gridCol w="1908971">
+                <a:gridCol w="1981852">
                   <a:extLst>
                     <a:ext uri="{9D8B030D-6E8A-4147-A177-3AD203B41FA5}">
                       <a16:colId xmlns:a16="http://schemas.microsoft.com/office/drawing/2014/main" val="347613028"/>
@@ -19918,13 +20059,16 @@
                   </a:extLst>
                 </a:gridCol>
               </a:tblGrid>
-              <a:tr h="582148">
+              <a:tr h="393430">
                 <a:tc>
                   <a:txBody>
                     <a:bodyPr/>
                     <a:lstStyle/>
                     <a:p>
                       <a:pPr algn="just">
+                        <a:lnSpc>
+                          <a:spcPct val="150000"/>
+                        </a:lnSpc>
                         <a:spcAft>
                           <a:spcPts val="0"/>
                         </a:spcAft>
@@ -19945,6 +20089,9 @@
                     <a:lstStyle/>
                     <a:p>
                       <a:pPr algn="ctr">
+                        <a:lnSpc>
+                          <a:spcPct val="150000"/>
+                        </a:lnSpc>
                         <a:spcAft>
                           <a:spcPts val="0"/>
                         </a:spcAft>
@@ -19973,6 +20120,9 @@
                     <a:lstStyle/>
                     <a:p>
                       <a:pPr algn="ctr">
+                        <a:lnSpc>
+                          <a:spcPct val="150000"/>
+                        </a:lnSpc>
                         <a:spcAft>
                           <a:spcPts val="0"/>
                         </a:spcAft>
@@ -20001,6 +20151,9 @@
                     <a:lstStyle/>
                     <a:p>
                       <a:pPr algn="ctr">
+                        <a:lnSpc>
+                          <a:spcPct val="150000"/>
+                        </a:lnSpc>
                         <a:spcAft>
                           <a:spcPts val="0"/>
                         </a:spcAft>
@@ -20030,6 +20183,9 @@
                     <a:lstStyle/>
                     <a:p>
                       <a:pPr algn="ctr">
+                        <a:lnSpc>
+                          <a:spcPct val="150000"/>
+                        </a:lnSpc>
                         <a:spcAft>
                           <a:spcPts val="0"/>
                         </a:spcAft>
@@ -20058,13 +20214,16 @@
                   </a:ext>
                 </a:extLst>
               </a:tr>
-              <a:tr h="1453317">
+              <a:tr h="1431009">
                 <a:tc>
                   <a:txBody>
                     <a:bodyPr/>
                     <a:lstStyle/>
                     <a:p>
                       <a:pPr algn="ctr">
+                        <a:lnSpc>
+                          <a:spcPct val="150000"/>
+                        </a:lnSpc>
                         <a:spcAft>
                           <a:spcPts val="0"/>
                         </a:spcAft>
@@ -20102,7 +20261,7 @@
                         </a:spcAft>
                       </a:pPr>
                       <a:r>
-                        <a:rPr lang="zh-TW" altLang="en-US" sz="1600" dirty="0" smtClean="0">
+                        <a:rPr lang="zh-TW" altLang="en-US" sz="1800" dirty="0" smtClean="0">
                           <a:solidFill>
                             <a:srgbClr val="FF0000"/>
                           </a:solidFill>
@@ -20111,7 +20270,7 @@
                         </a:rPr>
                         <a:t>即時語音問題辨識</a:t>
                       </a:r>
-                      <a:endParaRPr lang="zh-TW" sz="1600" b="1" kern="100" dirty="0">
+                      <a:endParaRPr lang="zh-TW" sz="1800" b="1" kern="100" dirty="0">
                         <a:solidFill>
                           <a:srgbClr val="FF0000"/>
                         </a:solidFill>
@@ -20147,7 +20306,7 @@
                         <a:defRPr/>
                       </a:pPr>
                       <a:r>
-                        <a:rPr kumimoji="0" lang="zh-TW" altLang="en-US" sz="1600" kern="1200" dirty="0" smtClean="0">
+                        <a:rPr kumimoji="0" lang="zh-TW" altLang="en-US" sz="1800" kern="1200" dirty="0" smtClean="0">
                           <a:solidFill>
                             <a:schemeClr val="dk1"/>
                           </a:solidFill>
@@ -20157,7 +20316,7 @@
                         </a:rPr>
                         <a:t>電話進線時，辨識及分析問題並於系統顯示問題處理方式。</a:t>
                       </a:r>
-                      <a:endParaRPr kumimoji="0" lang="zh-TW" altLang="zh-TW" sz="1600" kern="1200" dirty="0" smtClean="0">
+                      <a:endParaRPr kumimoji="0" lang="zh-TW" altLang="zh-TW" sz="1800" kern="1200" dirty="0" smtClean="0">
                         <a:solidFill>
                           <a:schemeClr val="dk1"/>
                         </a:solidFill>
@@ -20185,13 +20344,13 @@
                         <a:buAutoNum type="arabicPeriod"/>
                       </a:pPr>
                       <a:r>
-                        <a:rPr lang="zh-TW" altLang="en-US" sz="1600" dirty="0" smtClean="0">
+                        <a:rPr lang="zh-TW" altLang="en-US" sz="1800" dirty="0" smtClean="0">
                           <a:latin typeface="+mj-ea"/>
                           <a:ea typeface="+mj-ea"/>
                         </a:rPr>
                         <a:t>加速客服人員處理速度 。</a:t>
                       </a:r>
-                      <a:endParaRPr lang="en-US" altLang="zh-TW" sz="1600" dirty="0" smtClean="0">
+                      <a:endParaRPr lang="en-US" altLang="zh-TW" sz="1800" dirty="0" smtClean="0">
                         <a:latin typeface="+mj-ea"/>
                         <a:ea typeface="+mj-ea"/>
                       </a:endParaRPr>
@@ -20208,13 +20367,13 @@
                         <a:buAutoNum type="arabicPeriod"/>
                       </a:pPr>
                       <a:r>
-                        <a:rPr lang="zh-TW" altLang="en-US" sz="1600" dirty="0" smtClean="0">
+                        <a:rPr lang="zh-TW" altLang="en-US" sz="1800" dirty="0" smtClean="0">
                           <a:latin typeface="+mj-ea"/>
                           <a:ea typeface="+mj-ea"/>
                         </a:rPr>
                         <a:t>增加處理問題的準確性。</a:t>
                       </a:r>
-                      <a:endParaRPr lang="zh-TW" sz="1700" kern="100" dirty="0">
+                      <a:endParaRPr lang="zh-TW" sz="1800" kern="100" dirty="0">
                         <a:solidFill>
                           <a:srgbClr val="FF0000"/>
                         </a:solidFill>
@@ -20241,13 +20400,13 @@
                         </a:spcAft>
                       </a:pPr>
                       <a:r>
-                        <a:rPr lang="zh-TW" altLang="en-US" sz="1600" dirty="0" smtClean="0">
+                        <a:rPr lang="zh-TW" altLang="en-US" sz="1800" dirty="0" smtClean="0">
                           <a:latin typeface="+mj-ea"/>
                           <a:ea typeface="+mj-ea"/>
                         </a:rPr>
                         <a:t>系統誤判給予錯誤方式。</a:t>
                       </a:r>
-                      <a:endParaRPr lang="zh-TW" sz="1700" kern="100" dirty="0">
+                      <a:endParaRPr lang="zh-TW" sz="1800" kern="100" dirty="0">
                         <a:solidFill>
                           <a:schemeClr val="tx1"/>
                         </a:solidFill>
@@ -20266,13 +20425,16 @@
                   </a:ext>
                 </a:extLst>
               </a:tr>
-              <a:tr h="1827712">
+              <a:tr h="1788761">
                 <a:tc>
                   <a:txBody>
                     <a:bodyPr/>
                     <a:lstStyle/>
                     <a:p>
                       <a:pPr algn="ctr">
+                        <a:lnSpc>
+                          <a:spcPct val="150000"/>
+                        </a:lnSpc>
                         <a:spcAft>
                           <a:spcPts val="0"/>
                         </a:spcAft>
@@ -20304,28 +20466,51 @@
                         <a:lnSpc>
                           <a:spcPct val="150000"/>
                         </a:lnSpc>
-                        <a:spcAft>
-                          <a:spcPts val="0"/>
-                        </a:spcAft>
                       </a:pPr>
                       <a:r>
-                        <a:rPr lang="zh-TW" altLang="en-US" sz="1600" dirty="0" smtClean="0">
+                        <a:rPr kumimoji="0" lang="zh-TW" altLang="zh-TW" sz="1800" kern="1200" dirty="0" smtClean="0">
                           <a:solidFill>
                             <a:srgbClr val="FF0000"/>
                           </a:solidFill>
+                          <a:effectLst/>
                           <a:latin typeface="+mj-ea"/>
                           <a:ea typeface="+mj-ea"/>
+                          <a:cs typeface="+mn-cs"/>
                         </a:rPr>
-                        <a:t>客服人員語音評分</a:t>
+                        <a:t>顧客</a:t>
                       </a:r>
-                      <a:endParaRPr lang="zh-TW" sz="1600" b="1" kern="100" dirty="0">
+                      <a:r>
+                        <a:rPr kumimoji="0" lang="zh-TW" altLang="zh-TW" sz="1800" kern="1200" smtClean="0">
+                          <a:solidFill>
+                            <a:srgbClr val="FF0000"/>
+                          </a:solidFill>
+                          <a:effectLst/>
+                          <a:latin typeface="+mj-ea"/>
+                          <a:ea typeface="+mj-ea"/>
+                          <a:cs typeface="+mn-cs"/>
+                        </a:rPr>
+                        <a:t>不滿意語音</a:t>
+                      </a:r>
+                      <a:r>
+                        <a:rPr kumimoji="0" lang="zh-TW" altLang="zh-TW" sz="1800" kern="1200" dirty="0" smtClean="0">
+                          <a:solidFill>
+                            <a:srgbClr val="FF0000"/>
+                          </a:solidFill>
+                          <a:effectLst/>
+                          <a:latin typeface="+mj-ea"/>
+                          <a:ea typeface="+mj-ea"/>
+                          <a:cs typeface="+mn-cs"/>
+                        </a:rPr>
+                        <a:t>分析與應用</a:t>
+                      </a:r>
+                      <a:endParaRPr kumimoji="0" lang="zh-TW" altLang="zh-TW" sz="1800" kern="1200" dirty="0">
                         <a:solidFill>
                           <a:srgbClr val="FF0000"/>
                         </a:solidFill>
                         <a:effectLst/>
                         <a:latin typeface="+mj-ea"/>
                         <a:ea typeface="+mj-ea"/>
-                        <a:cs typeface="Times New Roman" panose="02020603050405020304" pitchFamily="18" charset="0"/>
+                        <a:cs typeface="+mn-cs"/>
                       </a:endParaRPr>
                     </a:p>
                   </a:txBody>
@@ -20345,13 +20530,30 @@
                         </a:spcAft>
                       </a:pPr>
                       <a:r>
-                        <a:rPr lang="zh-TW" altLang="en-US" sz="1600" dirty="0" smtClean="0">
+                        <a:rPr kumimoji="0" lang="zh-TW" altLang="zh-TW" sz="1800" kern="1200" dirty="0" smtClean="0">
+                          <a:solidFill>
+                            <a:schemeClr val="dk1"/>
+                          </a:solidFill>
+                          <a:effectLst/>
                           <a:latin typeface="+mj-ea"/>
                           <a:ea typeface="+mj-ea"/>
+                          <a:cs typeface="+mn-cs"/>
                         </a:rPr>
-                        <a:t>與顧客談話內容進行分析，利用語氣、關鍵字，來評量每次的顧客滿意度。</a:t>
+                        <a:t>建立顧客不滿意語句資料庫</a:t>
                       </a:r>
-                      <a:endParaRPr lang="zh-TW" sz="1700" kern="100" dirty="0">
+                      <a:r>
+                        <a:rPr kumimoji="0" lang="zh-TW" altLang="en-US" sz="1800" kern="1200" dirty="0" smtClean="0">
+                          <a:solidFill>
+                            <a:schemeClr val="dk1"/>
+                          </a:solidFill>
+                          <a:effectLst/>
+                          <a:latin typeface="+mj-ea"/>
+                          <a:ea typeface="+mj-ea"/>
+                          <a:cs typeface="+mn-cs"/>
+                        </a:rPr>
+                        <a:t>，當電話結束後，分析此次電話顧客是否滿意。</a:t>
+                      </a:r>
+                      <a:endParaRPr lang="zh-TW" sz="1800" kern="100" dirty="0">
                         <a:effectLst/>
                         <a:latin typeface="+mj-ea"/>
                         <a:ea typeface="+mj-ea"/>
@@ -20377,13 +20579,13 @@
                         <a:buAutoNum type="arabicPeriod"/>
                       </a:pPr>
                       <a:r>
-                        <a:rPr lang="zh-TW" altLang="en-US" sz="1600" dirty="0" smtClean="0">
+                        <a:rPr lang="zh-TW" altLang="en-US" sz="1800" dirty="0" smtClean="0">
                           <a:latin typeface="+mj-ea"/>
                           <a:ea typeface="+mj-ea"/>
                         </a:rPr>
                         <a:t>讓主管多一種方式替客服人員評分 。</a:t>
                       </a:r>
-                      <a:endParaRPr lang="en-US" altLang="zh-TW" sz="1600" dirty="0" smtClean="0">
+                      <a:endParaRPr lang="en-US" altLang="zh-TW" sz="1800" dirty="0" smtClean="0">
                         <a:latin typeface="+mj-ea"/>
                         <a:ea typeface="+mj-ea"/>
                       </a:endParaRPr>
@@ -20400,13 +20602,13 @@
                         <a:buAutoNum type="arabicPeriod"/>
                       </a:pPr>
                       <a:r>
-                        <a:rPr lang="zh-TW" altLang="en-US" sz="1600" dirty="0" smtClean="0">
+                        <a:rPr lang="zh-TW" altLang="en-US" sz="1800" dirty="0" smtClean="0">
                           <a:latin typeface="+mj-ea"/>
                           <a:ea typeface="+mj-ea"/>
                         </a:rPr>
                         <a:t>不斷改進客服人員應對方式。 </a:t>
                       </a:r>
-                      <a:endParaRPr lang="en-US" altLang="zh-TW" sz="1600" dirty="0" smtClean="0">
+                      <a:endParaRPr lang="en-US" altLang="zh-TW" sz="1800" dirty="0" smtClean="0">
                         <a:latin typeface="+mj-ea"/>
                         <a:ea typeface="+mj-ea"/>
                       </a:endParaRPr>
@@ -20423,13 +20625,13 @@
                         <a:buAutoNum type="arabicPeriod"/>
                       </a:pPr>
                       <a:r>
-                        <a:rPr lang="zh-TW" altLang="en-US" sz="1600" dirty="0" smtClean="0">
+                        <a:rPr lang="zh-TW" altLang="en-US" sz="1800" dirty="0" smtClean="0">
                           <a:latin typeface="+mj-ea"/>
                           <a:ea typeface="+mj-ea"/>
                         </a:rPr>
                         <a:t>提升顧客滿意度。</a:t>
                       </a:r>
-                      <a:endParaRPr lang="zh-TW" sz="1700" kern="100" dirty="0">
+                      <a:endParaRPr lang="zh-TW" sz="1800" kern="100" dirty="0">
                         <a:solidFill>
                           <a:srgbClr val="FF0000"/>
                         </a:solidFill>
@@ -20451,25 +20653,27 @@
                         <a:lnSpc>
                           <a:spcPct val="150000"/>
                         </a:lnSpc>
-                        <a:spcAft>
-                          <a:spcPts val="0"/>
-                        </a:spcAft>
                       </a:pPr>
                       <a:r>
-                        <a:rPr lang="zh-TW" altLang="en-US" sz="1600" dirty="0" smtClean="0">
+                        <a:rPr kumimoji="0" lang="zh-TW" altLang="zh-TW" sz="1800" kern="1200" dirty="0" smtClean="0">
+                          <a:solidFill>
+                            <a:schemeClr val="dk1"/>
+                          </a:solidFill>
+                          <a:effectLst/>
                           <a:latin typeface="+mj-ea"/>
                           <a:ea typeface="+mj-ea"/>
+                          <a:cs typeface="+mn-cs"/>
                         </a:rPr>
-                        <a:t>每個顧客語氣、問題不同，評分方式需先收集大量資料進行分析。</a:t>
+                        <a:t>因顧客每人的語氣表達方式有所不同，導致欲建立完整的語句資料庫內容面臨挑戰。</a:t>
                       </a:r>
-                      <a:endParaRPr lang="zh-TW" sz="1700" kern="100" dirty="0">
+                      <a:endParaRPr kumimoji="0" lang="zh-TW" altLang="zh-TW" sz="1800" kern="1200" dirty="0">
                         <a:solidFill>
-                          <a:schemeClr val="tx1"/>
+                          <a:schemeClr val="dk1"/>
                         </a:solidFill>
                         <a:effectLst/>
                         <a:latin typeface="+mj-ea"/>
                         <a:ea typeface="+mj-ea"/>
-                        <a:cs typeface="Times New Roman" panose="02020603050405020304" pitchFamily="18" charset="0"/>
+                        <a:cs typeface="+mn-cs"/>
                       </a:endParaRPr>
                     </a:p>
                   </a:txBody>
